--- a/etc/img.pptx
+++ b/etc/img.pptx
@@ -104,6 +104,11 @@
       </a:defRPr>
     </a:lvl9pPr>
   </p:defaultTextStyle>
+  <p:extLst>
+    <p:ext uri="{EFAFB233-063F-42B5-8137-9DF3F51BA10A}">
+      <p15:sldGuideLst xmlns:p15="http://schemas.microsoft.com/office/powerpoint/2012/main"/>
+    </p:ext>
+  </p:extLst>
 </p:presentation>
 </file>
 
@@ -149,10 +154,9 @@
           </a:lstStyle>
           <a:p>
             <a:r>
-              <a:rPr kumimoji="1" lang="ja-JP" altLang="en-US" smtClean="0"/>
+              <a:rPr kumimoji="1" lang="ja-JP" altLang="en-US"/>
               <a:t>マスター タイトルの書式設定</a:t>
             </a:r>
-            <a:endParaRPr kumimoji="1" lang="ja-JP" altLang="en-US"/>
           </a:p>
         </p:txBody>
       </p:sp>
@@ -214,10 +218,9 @@
           </a:lstStyle>
           <a:p>
             <a:r>
-              <a:rPr kumimoji="1" lang="ja-JP" altLang="en-US" smtClean="0"/>
+              <a:rPr kumimoji="1" lang="ja-JP" altLang="en-US"/>
               <a:t>マスター サブタイトルの書式設定</a:t>
             </a:r>
-            <a:endParaRPr kumimoji="1" lang="ja-JP" altLang="en-US"/>
           </a:p>
         </p:txBody>
       </p:sp>
@@ -238,7 +241,7 @@
           <a:p>
             <a:fld id="{2D3CDBE4-0924-3448-8597-1AC40CB85020}" type="datetimeFigureOut">
               <a:rPr kumimoji="1" lang="ja-JP" altLang="en-US" smtClean="0"/>
-              <a:t>2017/10/31</a:t>
+              <a:t>2018/1/24</a:t>
             </a:fld>
             <a:endParaRPr kumimoji="1" lang="ja-JP" altLang="en-US"/>
           </a:p>
@@ -332,10 +335,9 @@
           <a:lstStyle/>
           <a:p>
             <a:r>
-              <a:rPr kumimoji="1" lang="ja-JP" altLang="en-US" smtClean="0"/>
+              <a:rPr kumimoji="1" lang="ja-JP" altLang="en-US"/>
               <a:t>マスター タイトルの書式設定</a:t>
             </a:r>
-            <a:endParaRPr kumimoji="1" lang="ja-JP" altLang="en-US"/>
           </a:p>
         </p:txBody>
       </p:sp>
@@ -356,70 +358,69 @@
           <a:p>
             <a:pPr lvl="0"/>
             <a:r>
-              <a:rPr kumimoji="1" lang="ja-JP" altLang="en-US" smtClean="0"/>
+              <a:rPr kumimoji="1" lang="ja-JP" altLang="en-US"/>
               <a:t>マスター テキストの書式設定</a:t>
             </a:r>
           </a:p>
           <a:p>
             <a:pPr lvl="1"/>
             <a:r>
-              <a:rPr kumimoji="1" lang="ja-JP" altLang="en-US" smtClean="0"/>
+              <a:rPr kumimoji="1" lang="ja-JP" altLang="en-US"/>
               <a:t>第 </a:t>
             </a:r>
             <a:r>
-              <a:rPr kumimoji="1" lang="en-US" altLang="ja-JP" smtClean="0"/>
+              <a:rPr kumimoji="1" lang="en-US" altLang="ja-JP"/>
               <a:t>2 </a:t>
             </a:r>
             <a:r>
-              <a:rPr kumimoji="1" lang="ja-JP" altLang="en-US" smtClean="0"/>
+              <a:rPr kumimoji="1" lang="ja-JP" altLang="en-US"/>
               <a:t>レベル</a:t>
             </a:r>
           </a:p>
           <a:p>
             <a:pPr lvl="2"/>
             <a:r>
-              <a:rPr kumimoji="1" lang="ja-JP" altLang="en-US" smtClean="0"/>
+              <a:rPr kumimoji="1" lang="ja-JP" altLang="en-US"/>
               <a:t>第 </a:t>
             </a:r>
             <a:r>
-              <a:rPr kumimoji="1" lang="en-US" altLang="ja-JP" smtClean="0"/>
+              <a:rPr kumimoji="1" lang="en-US" altLang="ja-JP"/>
               <a:t>3 </a:t>
             </a:r>
             <a:r>
-              <a:rPr kumimoji="1" lang="ja-JP" altLang="en-US" smtClean="0"/>
+              <a:rPr kumimoji="1" lang="ja-JP" altLang="en-US"/>
               <a:t>レベル</a:t>
             </a:r>
           </a:p>
           <a:p>
             <a:pPr lvl="3"/>
             <a:r>
-              <a:rPr kumimoji="1" lang="ja-JP" altLang="en-US" smtClean="0"/>
+              <a:rPr kumimoji="1" lang="ja-JP" altLang="en-US"/>
               <a:t>第 </a:t>
             </a:r>
             <a:r>
-              <a:rPr kumimoji="1" lang="en-US" altLang="ja-JP" smtClean="0"/>
+              <a:rPr kumimoji="1" lang="en-US" altLang="ja-JP"/>
               <a:t>4 </a:t>
             </a:r>
             <a:r>
-              <a:rPr kumimoji="1" lang="ja-JP" altLang="en-US" smtClean="0"/>
+              <a:rPr kumimoji="1" lang="ja-JP" altLang="en-US"/>
               <a:t>レベル</a:t>
             </a:r>
           </a:p>
           <a:p>
             <a:pPr lvl="4"/>
             <a:r>
-              <a:rPr kumimoji="1" lang="ja-JP" altLang="en-US" smtClean="0"/>
+              <a:rPr kumimoji="1" lang="ja-JP" altLang="en-US"/>
               <a:t>第 </a:t>
             </a:r>
             <a:r>
-              <a:rPr kumimoji="1" lang="en-US" altLang="ja-JP" smtClean="0"/>
+              <a:rPr kumimoji="1" lang="en-US" altLang="ja-JP"/>
               <a:t>5 </a:t>
             </a:r>
             <a:r>
-              <a:rPr kumimoji="1" lang="ja-JP" altLang="en-US" smtClean="0"/>
+              <a:rPr kumimoji="1" lang="ja-JP" altLang="en-US"/>
               <a:t>レベル</a:t>
             </a:r>
-            <a:endParaRPr kumimoji="1" lang="ja-JP" altLang="en-US"/>
           </a:p>
         </p:txBody>
       </p:sp>
@@ -440,7 +441,7 @@
           <a:p>
             <a:fld id="{2D3CDBE4-0924-3448-8597-1AC40CB85020}" type="datetimeFigureOut">
               <a:rPr kumimoji="1" lang="ja-JP" altLang="en-US" smtClean="0"/>
-              <a:t>2017/10/31</a:t>
+              <a:t>2018/1/24</a:t>
             </a:fld>
             <a:endParaRPr kumimoji="1" lang="ja-JP" altLang="en-US"/>
           </a:p>
@@ -539,10 +540,9 @@
           <a:lstStyle/>
           <a:p>
             <a:r>
-              <a:rPr kumimoji="1" lang="ja-JP" altLang="en-US" smtClean="0"/>
+              <a:rPr kumimoji="1" lang="ja-JP" altLang="en-US"/>
               <a:t>マスター タイトルの書式設定</a:t>
             </a:r>
-            <a:endParaRPr kumimoji="1" lang="ja-JP" altLang="en-US"/>
           </a:p>
         </p:txBody>
       </p:sp>
@@ -568,70 +568,69 @@
           <a:p>
             <a:pPr lvl="0"/>
             <a:r>
-              <a:rPr kumimoji="1" lang="ja-JP" altLang="en-US" smtClean="0"/>
+              <a:rPr kumimoji="1" lang="ja-JP" altLang="en-US"/>
               <a:t>マスター テキストの書式設定</a:t>
             </a:r>
           </a:p>
           <a:p>
             <a:pPr lvl="1"/>
             <a:r>
-              <a:rPr kumimoji="1" lang="ja-JP" altLang="en-US" smtClean="0"/>
+              <a:rPr kumimoji="1" lang="ja-JP" altLang="en-US"/>
               <a:t>第 </a:t>
             </a:r>
             <a:r>
-              <a:rPr kumimoji="1" lang="en-US" altLang="ja-JP" smtClean="0"/>
+              <a:rPr kumimoji="1" lang="en-US" altLang="ja-JP"/>
               <a:t>2 </a:t>
             </a:r>
             <a:r>
-              <a:rPr kumimoji="1" lang="ja-JP" altLang="en-US" smtClean="0"/>
+              <a:rPr kumimoji="1" lang="ja-JP" altLang="en-US"/>
               <a:t>レベル</a:t>
             </a:r>
           </a:p>
           <a:p>
             <a:pPr lvl="2"/>
             <a:r>
-              <a:rPr kumimoji="1" lang="ja-JP" altLang="en-US" smtClean="0"/>
+              <a:rPr kumimoji="1" lang="ja-JP" altLang="en-US"/>
               <a:t>第 </a:t>
             </a:r>
             <a:r>
-              <a:rPr kumimoji="1" lang="en-US" altLang="ja-JP" smtClean="0"/>
+              <a:rPr kumimoji="1" lang="en-US" altLang="ja-JP"/>
               <a:t>3 </a:t>
             </a:r>
             <a:r>
-              <a:rPr kumimoji="1" lang="ja-JP" altLang="en-US" smtClean="0"/>
+              <a:rPr kumimoji="1" lang="ja-JP" altLang="en-US"/>
               <a:t>レベル</a:t>
             </a:r>
           </a:p>
           <a:p>
             <a:pPr lvl="3"/>
             <a:r>
-              <a:rPr kumimoji="1" lang="ja-JP" altLang="en-US" smtClean="0"/>
+              <a:rPr kumimoji="1" lang="ja-JP" altLang="en-US"/>
               <a:t>第 </a:t>
             </a:r>
             <a:r>
-              <a:rPr kumimoji="1" lang="en-US" altLang="ja-JP" smtClean="0"/>
+              <a:rPr kumimoji="1" lang="en-US" altLang="ja-JP"/>
               <a:t>4 </a:t>
             </a:r>
             <a:r>
-              <a:rPr kumimoji="1" lang="ja-JP" altLang="en-US" smtClean="0"/>
+              <a:rPr kumimoji="1" lang="ja-JP" altLang="en-US"/>
               <a:t>レベル</a:t>
             </a:r>
           </a:p>
           <a:p>
             <a:pPr lvl="4"/>
             <a:r>
-              <a:rPr kumimoji="1" lang="ja-JP" altLang="en-US" smtClean="0"/>
+              <a:rPr kumimoji="1" lang="ja-JP" altLang="en-US"/>
               <a:t>第 </a:t>
             </a:r>
             <a:r>
-              <a:rPr kumimoji="1" lang="en-US" altLang="ja-JP" smtClean="0"/>
+              <a:rPr kumimoji="1" lang="en-US" altLang="ja-JP"/>
               <a:t>5 </a:t>
             </a:r>
             <a:r>
-              <a:rPr kumimoji="1" lang="ja-JP" altLang="en-US" smtClean="0"/>
+              <a:rPr kumimoji="1" lang="ja-JP" altLang="en-US"/>
               <a:t>レベル</a:t>
             </a:r>
-            <a:endParaRPr kumimoji="1" lang="ja-JP" altLang="en-US"/>
           </a:p>
         </p:txBody>
       </p:sp>
@@ -652,7 +651,7 @@
           <a:p>
             <a:fld id="{2D3CDBE4-0924-3448-8597-1AC40CB85020}" type="datetimeFigureOut">
               <a:rPr kumimoji="1" lang="ja-JP" altLang="en-US" smtClean="0"/>
-              <a:t>2017/10/31</a:t>
+              <a:t>2018/1/24</a:t>
             </a:fld>
             <a:endParaRPr kumimoji="1" lang="ja-JP" altLang="en-US"/>
           </a:p>
@@ -746,10 +745,9 @@
           <a:lstStyle/>
           <a:p>
             <a:r>
-              <a:rPr kumimoji="1" lang="ja-JP" altLang="en-US" smtClean="0"/>
+              <a:rPr kumimoji="1" lang="ja-JP" altLang="en-US"/>
               <a:t>マスター タイトルの書式設定</a:t>
             </a:r>
-            <a:endParaRPr kumimoji="1" lang="ja-JP" altLang="en-US"/>
           </a:p>
         </p:txBody>
       </p:sp>
@@ -770,70 +768,69 @@
           <a:p>
             <a:pPr lvl="0"/>
             <a:r>
-              <a:rPr kumimoji="1" lang="ja-JP" altLang="en-US" smtClean="0"/>
+              <a:rPr kumimoji="1" lang="ja-JP" altLang="en-US"/>
               <a:t>マスター テキストの書式設定</a:t>
             </a:r>
           </a:p>
           <a:p>
             <a:pPr lvl="1"/>
             <a:r>
-              <a:rPr kumimoji="1" lang="ja-JP" altLang="en-US" smtClean="0"/>
+              <a:rPr kumimoji="1" lang="ja-JP" altLang="en-US"/>
               <a:t>第 </a:t>
             </a:r>
             <a:r>
-              <a:rPr kumimoji="1" lang="en-US" altLang="ja-JP" smtClean="0"/>
+              <a:rPr kumimoji="1" lang="en-US" altLang="ja-JP"/>
               <a:t>2 </a:t>
             </a:r>
             <a:r>
-              <a:rPr kumimoji="1" lang="ja-JP" altLang="en-US" smtClean="0"/>
+              <a:rPr kumimoji="1" lang="ja-JP" altLang="en-US"/>
               <a:t>レベル</a:t>
             </a:r>
           </a:p>
           <a:p>
             <a:pPr lvl="2"/>
             <a:r>
-              <a:rPr kumimoji="1" lang="ja-JP" altLang="en-US" smtClean="0"/>
+              <a:rPr kumimoji="1" lang="ja-JP" altLang="en-US"/>
               <a:t>第 </a:t>
             </a:r>
             <a:r>
-              <a:rPr kumimoji="1" lang="en-US" altLang="ja-JP" smtClean="0"/>
+              <a:rPr kumimoji="1" lang="en-US" altLang="ja-JP"/>
               <a:t>3 </a:t>
             </a:r>
             <a:r>
-              <a:rPr kumimoji="1" lang="ja-JP" altLang="en-US" smtClean="0"/>
+              <a:rPr kumimoji="1" lang="ja-JP" altLang="en-US"/>
               <a:t>レベル</a:t>
             </a:r>
           </a:p>
           <a:p>
             <a:pPr lvl="3"/>
             <a:r>
-              <a:rPr kumimoji="1" lang="ja-JP" altLang="en-US" smtClean="0"/>
+              <a:rPr kumimoji="1" lang="ja-JP" altLang="en-US"/>
               <a:t>第 </a:t>
             </a:r>
             <a:r>
-              <a:rPr kumimoji="1" lang="en-US" altLang="ja-JP" smtClean="0"/>
+              <a:rPr kumimoji="1" lang="en-US" altLang="ja-JP"/>
               <a:t>4 </a:t>
             </a:r>
             <a:r>
-              <a:rPr kumimoji="1" lang="ja-JP" altLang="en-US" smtClean="0"/>
+              <a:rPr kumimoji="1" lang="ja-JP" altLang="en-US"/>
               <a:t>レベル</a:t>
             </a:r>
           </a:p>
           <a:p>
             <a:pPr lvl="4"/>
             <a:r>
-              <a:rPr kumimoji="1" lang="ja-JP" altLang="en-US" smtClean="0"/>
+              <a:rPr kumimoji="1" lang="ja-JP" altLang="en-US"/>
               <a:t>第 </a:t>
             </a:r>
             <a:r>
-              <a:rPr kumimoji="1" lang="en-US" altLang="ja-JP" smtClean="0"/>
+              <a:rPr kumimoji="1" lang="en-US" altLang="ja-JP"/>
               <a:t>5 </a:t>
             </a:r>
             <a:r>
-              <a:rPr kumimoji="1" lang="ja-JP" altLang="en-US" smtClean="0"/>
+              <a:rPr kumimoji="1" lang="ja-JP" altLang="en-US"/>
               <a:t>レベル</a:t>
             </a:r>
-            <a:endParaRPr kumimoji="1" lang="ja-JP" altLang="en-US"/>
           </a:p>
         </p:txBody>
       </p:sp>
@@ -854,7 +851,7 @@
           <a:p>
             <a:fld id="{2D3CDBE4-0924-3448-8597-1AC40CB85020}" type="datetimeFigureOut">
               <a:rPr kumimoji="1" lang="ja-JP" altLang="en-US" smtClean="0"/>
-              <a:t>2017/10/31</a:t>
+              <a:t>2018/1/24</a:t>
             </a:fld>
             <a:endParaRPr kumimoji="1" lang="ja-JP" altLang="en-US"/>
           </a:p>
@@ -957,10 +954,9 @@
           </a:lstStyle>
           <a:p>
             <a:r>
-              <a:rPr kumimoji="1" lang="ja-JP" altLang="en-US" smtClean="0"/>
+              <a:rPr kumimoji="1" lang="ja-JP" altLang="en-US"/>
               <a:t>マスター タイトルの書式設定</a:t>
             </a:r>
-            <a:endParaRPr kumimoji="1" lang="ja-JP" altLang="en-US"/>
           </a:p>
         </p:txBody>
       </p:sp>
@@ -1077,7 +1073,7 @@
           <a:p>
             <a:pPr lvl="0"/>
             <a:r>
-              <a:rPr kumimoji="1" lang="ja-JP" altLang="en-US" smtClean="0"/>
+              <a:rPr kumimoji="1" lang="ja-JP" altLang="en-US"/>
               <a:t>マスター テキストの書式設定</a:t>
             </a:r>
           </a:p>
@@ -1100,7 +1096,7 @@
           <a:p>
             <a:fld id="{2D3CDBE4-0924-3448-8597-1AC40CB85020}" type="datetimeFigureOut">
               <a:rPr kumimoji="1" lang="ja-JP" altLang="en-US" smtClean="0"/>
-              <a:t>2017/10/31</a:t>
+              <a:t>2018/1/24</a:t>
             </a:fld>
             <a:endParaRPr kumimoji="1" lang="ja-JP" altLang="en-US"/>
           </a:p>
@@ -1194,10 +1190,9 @@
           <a:lstStyle/>
           <a:p>
             <a:r>
-              <a:rPr kumimoji="1" lang="ja-JP" altLang="en-US" smtClean="0"/>
+              <a:rPr kumimoji="1" lang="ja-JP" altLang="en-US"/>
               <a:t>マスター タイトルの書式設定</a:t>
             </a:r>
-            <a:endParaRPr kumimoji="1" lang="ja-JP" altLang="en-US"/>
           </a:p>
         </p:txBody>
       </p:sp>
@@ -1223,70 +1218,69 @@
           <a:p>
             <a:pPr lvl="0"/>
             <a:r>
-              <a:rPr kumimoji="1" lang="ja-JP" altLang="en-US" smtClean="0"/>
+              <a:rPr kumimoji="1" lang="ja-JP" altLang="en-US"/>
               <a:t>マスター テキストの書式設定</a:t>
             </a:r>
           </a:p>
           <a:p>
             <a:pPr lvl="1"/>
             <a:r>
-              <a:rPr kumimoji="1" lang="ja-JP" altLang="en-US" smtClean="0"/>
+              <a:rPr kumimoji="1" lang="ja-JP" altLang="en-US"/>
               <a:t>第 </a:t>
             </a:r>
             <a:r>
-              <a:rPr kumimoji="1" lang="en-US" altLang="ja-JP" smtClean="0"/>
+              <a:rPr kumimoji="1" lang="en-US" altLang="ja-JP"/>
               <a:t>2 </a:t>
             </a:r>
             <a:r>
-              <a:rPr kumimoji="1" lang="ja-JP" altLang="en-US" smtClean="0"/>
+              <a:rPr kumimoji="1" lang="ja-JP" altLang="en-US"/>
               <a:t>レベル</a:t>
             </a:r>
           </a:p>
           <a:p>
             <a:pPr lvl="2"/>
             <a:r>
-              <a:rPr kumimoji="1" lang="ja-JP" altLang="en-US" smtClean="0"/>
+              <a:rPr kumimoji="1" lang="ja-JP" altLang="en-US"/>
               <a:t>第 </a:t>
             </a:r>
             <a:r>
-              <a:rPr kumimoji="1" lang="en-US" altLang="ja-JP" smtClean="0"/>
+              <a:rPr kumimoji="1" lang="en-US" altLang="ja-JP"/>
               <a:t>3 </a:t>
             </a:r>
             <a:r>
-              <a:rPr kumimoji="1" lang="ja-JP" altLang="en-US" smtClean="0"/>
+              <a:rPr kumimoji="1" lang="ja-JP" altLang="en-US"/>
               <a:t>レベル</a:t>
             </a:r>
           </a:p>
           <a:p>
             <a:pPr lvl="3"/>
             <a:r>
-              <a:rPr kumimoji="1" lang="ja-JP" altLang="en-US" smtClean="0"/>
+              <a:rPr kumimoji="1" lang="ja-JP" altLang="en-US"/>
               <a:t>第 </a:t>
             </a:r>
             <a:r>
-              <a:rPr kumimoji="1" lang="en-US" altLang="ja-JP" smtClean="0"/>
+              <a:rPr kumimoji="1" lang="en-US" altLang="ja-JP"/>
               <a:t>4 </a:t>
             </a:r>
             <a:r>
-              <a:rPr kumimoji="1" lang="ja-JP" altLang="en-US" smtClean="0"/>
+              <a:rPr kumimoji="1" lang="ja-JP" altLang="en-US"/>
               <a:t>レベル</a:t>
             </a:r>
           </a:p>
           <a:p>
             <a:pPr lvl="4"/>
             <a:r>
-              <a:rPr kumimoji="1" lang="ja-JP" altLang="en-US" smtClean="0"/>
+              <a:rPr kumimoji="1" lang="ja-JP" altLang="en-US"/>
               <a:t>第 </a:t>
             </a:r>
             <a:r>
-              <a:rPr kumimoji="1" lang="en-US" altLang="ja-JP" smtClean="0"/>
+              <a:rPr kumimoji="1" lang="en-US" altLang="ja-JP"/>
               <a:t>5 </a:t>
             </a:r>
             <a:r>
-              <a:rPr kumimoji="1" lang="ja-JP" altLang="en-US" smtClean="0"/>
+              <a:rPr kumimoji="1" lang="ja-JP" altLang="en-US"/>
               <a:t>レベル</a:t>
             </a:r>
-            <a:endParaRPr kumimoji="1" lang="ja-JP" altLang="en-US"/>
           </a:p>
         </p:txBody>
       </p:sp>
@@ -1312,70 +1306,69 @@
           <a:p>
             <a:pPr lvl="0"/>
             <a:r>
-              <a:rPr kumimoji="1" lang="ja-JP" altLang="en-US" smtClean="0"/>
+              <a:rPr kumimoji="1" lang="ja-JP" altLang="en-US"/>
               <a:t>マスター テキストの書式設定</a:t>
             </a:r>
           </a:p>
           <a:p>
             <a:pPr lvl="1"/>
             <a:r>
-              <a:rPr kumimoji="1" lang="ja-JP" altLang="en-US" smtClean="0"/>
+              <a:rPr kumimoji="1" lang="ja-JP" altLang="en-US"/>
               <a:t>第 </a:t>
             </a:r>
             <a:r>
-              <a:rPr kumimoji="1" lang="en-US" altLang="ja-JP" smtClean="0"/>
+              <a:rPr kumimoji="1" lang="en-US" altLang="ja-JP"/>
               <a:t>2 </a:t>
             </a:r>
             <a:r>
-              <a:rPr kumimoji="1" lang="ja-JP" altLang="en-US" smtClean="0"/>
+              <a:rPr kumimoji="1" lang="ja-JP" altLang="en-US"/>
               <a:t>レベル</a:t>
             </a:r>
           </a:p>
           <a:p>
             <a:pPr lvl="2"/>
             <a:r>
-              <a:rPr kumimoji="1" lang="ja-JP" altLang="en-US" smtClean="0"/>
+              <a:rPr kumimoji="1" lang="ja-JP" altLang="en-US"/>
               <a:t>第 </a:t>
             </a:r>
             <a:r>
-              <a:rPr kumimoji="1" lang="en-US" altLang="ja-JP" smtClean="0"/>
+              <a:rPr kumimoji="1" lang="en-US" altLang="ja-JP"/>
               <a:t>3 </a:t>
             </a:r>
             <a:r>
-              <a:rPr kumimoji="1" lang="ja-JP" altLang="en-US" smtClean="0"/>
+              <a:rPr kumimoji="1" lang="ja-JP" altLang="en-US"/>
               <a:t>レベル</a:t>
             </a:r>
           </a:p>
           <a:p>
             <a:pPr lvl="3"/>
             <a:r>
-              <a:rPr kumimoji="1" lang="ja-JP" altLang="en-US" smtClean="0"/>
+              <a:rPr kumimoji="1" lang="ja-JP" altLang="en-US"/>
               <a:t>第 </a:t>
             </a:r>
             <a:r>
-              <a:rPr kumimoji="1" lang="en-US" altLang="ja-JP" smtClean="0"/>
+              <a:rPr kumimoji="1" lang="en-US" altLang="ja-JP"/>
               <a:t>4 </a:t>
             </a:r>
             <a:r>
-              <a:rPr kumimoji="1" lang="ja-JP" altLang="en-US" smtClean="0"/>
+              <a:rPr kumimoji="1" lang="ja-JP" altLang="en-US"/>
               <a:t>レベル</a:t>
             </a:r>
           </a:p>
           <a:p>
             <a:pPr lvl="4"/>
             <a:r>
-              <a:rPr kumimoji="1" lang="ja-JP" altLang="en-US" smtClean="0"/>
+              <a:rPr kumimoji="1" lang="ja-JP" altLang="en-US"/>
               <a:t>第 </a:t>
             </a:r>
             <a:r>
-              <a:rPr kumimoji="1" lang="en-US" altLang="ja-JP" smtClean="0"/>
+              <a:rPr kumimoji="1" lang="en-US" altLang="ja-JP"/>
               <a:t>5 </a:t>
             </a:r>
             <a:r>
-              <a:rPr kumimoji="1" lang="ja-JP" altLang="en-US" smtClean="0"/>
+              <a:rPr kumimoji="1" lang="ja-JP" altLang="en-US"/>
               <a:t>レベル</a:t>
             </a:r>
-            <a:endParaRPr kumimoji="1" lang="ja-JP" altLang="en-US"/>
           </a:p>
         </p:txBody>
       </p:sp>
@@ -1396,7 +1389,7 @@
           <a:p>
             <a:fld id="{2D3CDBE4-0924-3448-8597-1AC40CB85020}" type="datetimeFigureOut">
               <a:rPr kumimoji="1" lang="ja-JP" altLang="en-US" smtClean="0"/>
-              <a:t>2017/10/31</a:t>
+              <a:t>2018/1/24</a:t>
             </a:fld>
             <a:endParaRPr kumimoji="1" lang="ja-JP" altLang="en-US"/>
           </a:p>
@@ -1495,10 +1488,9 @@
           <a:lstStyle/>
           <a:p>
             <a:r>
-              <a:rPr kumimoji="1" lang="ja-JP" altLang="en-US" smtClean="0"/>
+              <a:rPr kumimoji="1" lang="ja-JP" altLang="en-US"/>
               <a:t>マスター タイトルの書式設定</a:t>
             </a:r>
-            <a:endParaRPr kumimoji="1" lang="ja-JP" altLang="en-US"/>
           </a:p>
         </p:txBody>
       </p:sp>
@@ -1561,7 +1553,7 @@
           <a:p>
             <a:pPr lvl="0"/>
             <a:r>
-              <a:rPr kumimoji="1" lang="ja-JP" altLang="en-US" smtClean="0"/>
+              <a:rPr kumimoji="1" lang="ja-JP" altLang="en-US"/>
               <a:t>マスター テキストの書式設定</a:t>
             </a:r>
           </a:p>
@@ -1589,70 +1581,69 @@
           <a:p>
             <a:pPr lvl="0"/>
             <a:r>
-              <a:rPr kumimoji="1" lang="ja-JP" altLang="en-US" smtClean="0"/>
+              <a:rPr kumimoji="1" lang="ja-JP" altLang="en-US"/>
               <a:t>マスター テキストの書式設定</a:t>
             </a:r>
           </a:p>
           <a:p>
             <a:pPr lvl="1"/>
             <a:r>
-              <a:rPr kumimoji="1" lang="ja-JP" altLang="en-US" smtClean="0"/>
+              <a:rPr kumimoji="1" lang="ja-JP" altLang="en-US"/>
               <a:t>第 </a:t>
             </a:r>
             <a:r>
-              <a:rPr kumimoji="1" lang="en-US" altLang="ja-JP" smtClean="0"/>
+              <a:rPr kumimoji="1" lang="en-US" altLang="ja-JP"/>
               <a:t>2 </a:t>
             </a:r>
             <a:r>
-              <a:rPr kumimoji="1" lang="ja-JP" altLang="en-US" smtClean="0"/>
+              <a:rPr kumimoji="1" lang="ja-JP" altLang="en-US"/>
               <a:t>レベル</a:t>
             </a:r>
           </a:p>
           <a:p>
             <a:pPr lvl="2"/>
             <a:r>
-              <a:rPr kumimoji="1" lang="ja-JP" altLang="en-US" smtClean="0"/>
+              <a:rPr kumimoji="1" lang="ja-JP" altLang="en-US"/>
               <a:t>第 </a:t>
             </a:r>
             <a:r>
-              <a:rPr kumimoji="1" lang="en-US" altLang="ja-JP" smtClean="0"/>
+              <a:rPr kumimoji="1" lang="en-US" altLang="ja-JP"/>
               <a:t>3 </a:t>
             </a:r>
             <a:r>
-              <a:rPr kumimoji="1" lang="ja-JP" altLang="en-US" smtClean="0"/>
+              <a:rPr kumimoji="1" lang="ja-JP" altLang="en-US"/>
               <a:t>レベル</a:t>
             </a:r>
           </a:p>
           <a:p>
             <a:pPr lvl="3"/>
             <a:r>
-              <a:rPr kumimoji="1" lang="ja-JP" altLang="en-US" smtClean="0"/>
+              <a:rPr kumimoji="1" lang="ja-JP" altLang="en-US"/>
               <a:t>第 </a:t>
             </a:r>
             <a:r>
-              <a:rPr kumimoji="1" lang="en-US" altLang="ja-JP" smtClean="0"/>
+              <a:rPr kumimoji="1" lang="en-US" altLang="ja-JP"/>
               <a:t>4 </a:t>
             </a:r>
             <a:r>
-              <a:rPr kumimoji="1" lang="ja-JP" altLang="en-US" smtClean="0"/>
+              <a:rPr kumimoji="1" lang="ja-JP" altLang="en-US"/>
               <a:t>レベル</a:t>
             </a:r>
           </a:p>
           <a:p>
             <a:pPr lvl="4"/>
             <a:r>
-              <a:rPr kumimoji="1" lang="ja-JP" altLang="en-US" smtClean="0"/>
+              <a:rPr kumimoji="1" lang="ja-JP" altLang="en-US"/>
               <a:t>第 </a:t>
             </a:r>
             <a:r>
-              <a:rPr kumimoji="1" lang="en-US" altLang="ja-JP" smtClean="0"/>
+              <a:rPr kumimoji="1" lang="en-US" altLang="ja-JP"/>
               <a:t>5 </a:t>
             </a:r>
             <a:r>
-              <a:rPr kumimoji="1" lang="ja-JP" altLang="en-US" smtClean="0"/>
+              <a:rPr kumimoji="1" lang="ja-JP" altLang="en-US"/>
               <a:t>レベル</a:t>
             </a:r>
-            <a:endParaRPr kumimoji="1" lang="ja-JP" altLang="en-US"/>
           </a:p>
         </p:txBody>
       </p:sp>
@@ -1715,7 +1706,7 @@
           <a:p>
             <a:pPr lvl="0"/>
             <a:r>
-              <a:rPr kumimoji="1" lang="ja-JP" altLang="en-US" smtClean="0"/>
+              <a:rPr kumimoji="1" lang="ja-JP" altLang="en-US"/>
               <a:t>マスター テキストの書式設定</a:t>
             </a:r>
           </a:p>
@@ -1743,70 +1734,69 @@
           <a:p>
             <a:pPr lvl="0"/>
             <a:r>
-              <a:rPr kumimoji="1" lang="ja-JP" altLang="en-US" smtClean="0"/>
+              <a:rPr kumimoji="1" lang="ja-JP" altLang="en-US"/>
               <a:t>マスター テキストの書式設定</a:t>
             </a:r>
           </a:p>
           <a:p>
             <a:pPr lvl="1"/>
             <a:r>
-              <a:rPr kumimoji="1" lang="ja-JP" altLang="en-US" smtClean="0"/>
+              <a:rPr kumimoji="1" lang="ja-JP" altLang="en-US"/>
               <a:t>第 </a:t>
             </a:r>
             <a:r>
-              <a:rPr kumimoji="1" lang="en-US" altLang="ja-JP" smtClean="0"/>
+              <a:rPr kumimoji="1" lang="en-US" altLang="ja-JP"/>
               <a:t>2 </a:t>
             </a:r>
             <a:r>
-              <a:rPr kumimoji="1" lang="ja-JP" altLang="en-US" smtClean="0"/>
+              <a:rPr kumimoji="1" lang="ja-JP" altLang="en-US"/>
               <a:t>レベル</a:t>
             </a:r>
           </a:p>
           <a:p>
             <a:pPr lvl="2"/>
             <a:r>
-              <a:rPr kumimoji="1" lang="ja-JP" altLang="en-US" smtClean="0"/>
+              <a:rPr kumimoji="1" lang="ja-JP" altLang="en-US"/>
               <a:t>第 </a:t>
             </a:r>
             <a:r>
-              <a:rPr kumimoji="1" lang="en-US" altLang="ja-JP" smtClean="0"/>
+              <a:rPr kumimoji="1" lang="en-US" altLang="ja-JP"/>
               <a:t>3 </a:t>
             </a:r>
             <a:r>
-              <a:rPr kumimoji="1" lang="ja-JP" altLang="en-US" smtClean="0"/>
+              <a:rPr kumimoji="1" lang="ja-JP" altLang="en-US"/>
               <a:t>レベル</a:t>
             </a:r>
           </a:p>
           <a:p>
             <a:pPr lvl="3"/>
             <a:r>
-              <a:rPr kumimoji="1" lang="ja-JP" altLang="en-US" smtClean="0"/>
+              <a:rPr kumimoji="1" lang="ja-JP" altLang="en-US"/>
               <a:t>第 </a:t>
             </a:r>
             <a:r>
-              <a:rPr kumimoji="1" lang="en-US" altLang="ja-JP" smtClean="0"/>
+              <a:rPr kumimoji="1" lang="en-US" altLang="ja-JP"/>
               <a:t>4 </a:t>
             </a:r>
             <a:r>
-              <a:rPr kumimoji="1" lang="ja-JP" altLang="en-US" smtClean="0"/>
+              <a:rPr kumimoji="1" lang="ja-JP" altLang="en-US"/>
               <a:t>レベル</a:t>
             </a:r>
           </a:p>
           <a:p>
             <a:pPr lvl="4"/>
             <a:r>
-              <a:rPr kumimoji="1" lang="ja-JP" altLang="en-US" smtClean="0"/>
+              <a:rPr kumimoji="1" lang="ja-JP" altLang="en-US"/>
               <a:t>第 </a:t>
             </a:r>
             <a:r>
-              <a:rPr kumimoji="1" lang="en-US" altLang="ja-JP" smtClean="0"/>
+              <a:rPr kumimoji="1" lang="en-US" altLang="ja-JP"/>
               <a:t>5 </a:t>
             </a:r>
             <a:r>
-              <a:rPr kumimoji="1" lang="ja-JP" altLang="en-US" smtClean="0"/>
+              <a:rPr kumimoji="1" lang="ja-JP" altLang="en-US"/>
               <a:t>レベル</a:t>
             </a:r>
-            <a:endParaRPr kumimoji="1" lang="ja-JP" altLang="en-US"/>
           </a:p>
         </p:txBody>
       </p:sp>
@@ -1827,7 +1817,7 @@
           <a:p>
             <a:fld id="{2D3CDBE4-0924-3448-8597-1AC40CB85020}" type="datetimeFigureOut">
               <a:rPr kumimoji="1" lang="ja-JP" altLang="en-US" smtClean="0"/>
-              <a:t>2017/10/31</a:t>
+              <a:t>2018/1/24</a:t>
             </a:fld>
             <a:endParaRPr kumimoji="1" lang="ja-JP" altLang="en-US"/>
           </a:p>
@@ -1921,10 +1911,9 @@
           <a:lstStyle/>
           <a:p>
             <a:r>
-              <a:rPr kumimoji="1" lang="ja-JP" altLang="en-US" smtClean="0"/>
+              <a:rPr kumimoji="1" lang="ja-JP" altLang="en-US"/>
               <a:t>マスター タイトルの書式設定</a:t>
             </a:r>
-            <a:endParaRPr kumimoji="1" lang="ja-JP" altLang="en-US"/>
           </a:p>
         </p:txBody>
       </p:sp>
@@ -1945,7 +1934,7 @@
           <a:p>
             <a:fld id="{2D3CDBE4-0924-3448-8597-1AC40CB85020}" type="datetimeFigureOut">
               <a:rPr kumimoji="1" lang="ja-JP" altLang="en-US" smtClean="0"/>
-              <a:t>2017/10/31</a:t>
+              <a:t>2018/1/24</a:t>
             </a:fld>
             <a:endParaRPr kumimoji="1" lang="ja-JP" altLang="en-US"/>
           </a:p>
@@ -2040,7 +2029,7 @@
           <a:p>
             <a:fld id="{2D3CDBE4-0924-3448-8597-1AC40CB85020}" type="datetimeFigureOut">
               <a:rPr kumimoji="1" lang="ja-JP" altLang="en-US" smtClean="0"/>
-              <a:t>2017/10/31</a:t>
+              <a:t>2018/1/24</a:t>
             </a:fld>
             <a:endParaRPr kumimoji="1" lang="ja-JP" altLang="en-US"/>
           </a:p>
@@ -2143,10 +2132,9 @@
           </a:lstStyle>
           <a:p>
             <a:r>
-              <a:rPr kumimoji="1" lang="ja-JP" altLang="en-US" smtClean="0"/>
+              <a:rPr kumimoji="1" lang="ja-JP" altLang="en-US"/>
               <a:t>マスター タイトルの書式設定</a:t>
             </a:r>
-            <a:endParaRPr kumimoji="1" lang="ja-JP" altLang="en-US"/>
           </a:p>
         </p:txBody>
       </p:sp>
@@ -2200,70 +2188,69 @@
           <a:p>
             <a:pPr lvl="0"/>
             <a:r>
-              <a:rPr kumimoji="1" lang="ja-JP" altLang="en-US" smtClean="0"/>
+              <a:rPr kumimoji="1" lang="ja-JP" altLang="en-US"/>
               <a:t>マスター テキストの書式設定</a:t>
             </a:r>
           </a:p>
           <a:p>
             <a:pPr lvl="1"/>
             <a:r>
-              <a:rPr kumimoji="1" lang="ja-JP" altLang="en-US" smtClean="0"/>
+              <a:rPr kumimoji="1" lang="ja-JP" altLang="en-US"/>
               <a:t>第 </a:t>
             </a:r>
             <a:r>
-              <a:rPr kumimoji="1" lang="en-US" altLang="ja-JP" smtClean="0"/>
+              <a:rPr kumimoji="1" lang="en-US" altLang="ja-JP"/>
               <a:t>2 </a:t>
             </a:r>
             <a:r>
-              <a:rPr kumimoji="1" lang="ja-JP" altLang="en-US" smtClean="0"/>
+              <a:rPr kumimoji="1" lang="ja-JP" altLang="en-US"/>
               <a:t>レベル</a:t>
             </a:r>
           </a:p>
           <a:p>
             <a:pPr lvl="2"/>
             <a:r>
-              <a:rPr kumimoji="1" lang="ja-JP" altLang="en-US" smtClean="0"/>
+              <a:rPr kumimoji="1" lang="ja-JP" altLang="en-US"/>
               <a:t>第 </a:t>
             </a:r>
             <a:r>
-              <a:rPr kumimoji="1" lang="en-US" altLang="ja-JP" smtClean="0"/>
+              <a:rPr kumimoji="1" lang="en-US" altLang="ja-JP"/>
               <a:t>3 </a:t>
             </a:r>
             <a:r>
-              <a:rPr kumimoji="1" lang="ja-JP" altLang="en-US" smtClean="0"/>
+              <a:rPr kumimoji="1" lang="ja-JP" altLang="en-US"/>
               <a:t>レベル</a:t>
             </a:r>
           </a:p>
           <a:p>
             <a:pPr lvl="3"/>
             <a:r>
-              <a:rPr kumimoji="1" lang="ja-JP" altLang="en-US" smtClean="0"/>
+              <a:rPr kumimoji="1" lang="ja-JP" altLang="en-US"/>
               <a:t>第 </a:t>
             </a:r>
             <a:r>
-              <a:rPr kumimoji="1" lang="en-US" altLang="ja-JP" smtClean="0"/>
+              <a:rPr kumimoji="1" lang="en-US" altLang="ja-JP"/>
               <a:t>4 </a:t>
             </a:r>
             <a:r>
-              <a:rPr kumimoji="1" lang="ja-JP" altLang="en-US" smtClean="0"/>
+              <a:rPr kumimoji="1" lang="ja-JP" altLang="en-US"/>
               <a:t>レベル</a:t>
             </a:r>
           </a:p>
           <a:p>
             <a:pPr lvl="4"/>
             <a:r>
-              <a:rPr kumimoji="1" lang="ja-JP" altLang="en-US" smtClean="0"/>
+              <a:rPr kumimoji="1" lang="ja-JP" altLang="en-US"/>
               <a:t>第 </a:t>
             </a:r>
             <a:r>
-              <a:rPr kumimoji="1" lang="en-US" altLang="ja-JP" smtClean="0"/>
+              <a:rPr kumimoji="1" lang="en-US" altLang="ja-JP"/>
               <a:t>5 </a:t>
             </a:r>
             <a:r>
-              <a:rPr kumimoji="1" lang="ja-JP" altLang="en-US" smtClean="0"/>
+              <a:rPr kumimoji="1" lang="ja-JP" altLang="en-US"/>
               <a:t>レベル</a:t>
             </a:r>
-            <a:endParaRPr kumimoji="1" lang="ja-JP" altLang="en-US"/>
           </a:p>
         </p:txBody>
       </p:sp>
@@ -2326,7 +2313,7 @@
           <a:p>
             <a:pPr lvl="0"/>
             <a:r>
-              <a:rPr kumimoji="1" lang="ja-JP" altLang="en-US" smtClean="0"/>
+              <a:rPr kumimoji="1" lang="ja-JP" altLang="en-US"/>
               <a:t>マスター テキストの書式設定</a:t>
             </a:r>
           </a:p>
@@ -2349,7 +2336,7 @@
           <a:p>
             <a:fld id="{2D3CDBE4-0924-3448-8597-1AC40CB85020}" type="datetimeFigureOut">
               <a:rPr kumimoji="1" lang="ja-JP" altLang="en-US" smtClean="0"/>
-              <a:t>2017/10/31</a:t>
+              <a:t>2018/1/24</a:t>
             </a:fld>
             <a:endParaRPr kumimoji="1" lang="ja-JP" altLang="en-US"/>
           </a:p>
@@ -2452,10 +2439,9 @@
           </a:lstStyle>
           <a:p>
             <a:r>
-              <a:rPr kumimoji="1" lang="ja-JP" altLang="en-US" smtClean="0"/>
+              <a:rPr kumimoji="1" lang="ja-JP" altLang="en-US"/>
               <a:t>マスター タイトルの書式設定</a:t>
             </a:r>
-            <a:endParaRPr kumimoji="1" lang="ja-JP" altLang="en-US"/>
           </a:p>
         </p:txBody>
       </p:sp>
@@ -2579,7 +2565,7 @@
           <a:p>
             <a:pPr lvl="0"/>
             <a:r>
-              <a:rPr kumimoji="1" lang="ja-JP" altLang="en-US" smtClean="0"/>
+              <a:rPr kumimoji="1" lang="ja-JP" altLang="en-US"/>
               <a:t>マスター テキストの書式設定</a:t>
             </a:r>
           </a:p>
@@ -2602,7 +2588,7 @@
           <a:p>
             <a:fld id="{2D3CDBE4-0924-3448-8597-1AC40CB85020}" type="datetimeFigureOut">
               <a:rPr kumimoji="1" lang="ja-JP" altLang="en-US" smtClean="0"/>
-              <a:t>2017/10/31</a:t>
+              <a:t>2018/1/24</a:t>
             </a:fld>
             <a:endParaRPr kumimoji="1" lang="ja-JP" altLang="en-US"/>
           </a:p>
@@ -2711,10 +2697,9 @@
           <a:lstStyle/>
           <a:p>
             <a:r>
-              <a:rPr kumimoji="1" lang="ja-JP" altLang="en-US" smtClean="0"/>
+              <a:rPr kumimoji="1" lang="ja-JP" altLang="en-US"/>
               <a:t>マスター タイトルの書式設定</a:t>
             </a:r>
-            <a:endParaRPr kumimoji="1" lang="ja-JP" altLang="en-US"/>
           </a:p>
         </p:txBody>
       </p:sp>
@@ -2745,70 +2730,69 @@
           <a:p>
             <a:pPr lvl="0"/>
             <a:r>
-              <a:rPr kumimoji="1" lang="ja-JP" altLang="en-US" smtClean="0"/>
+              <a:rPr kumimoji="1" lang="ja-JP" altLang="en-US"/>
               <a:t>マスター テキストの書式設定</a:t>
             </a:r>
           </a:p>
           <a:p>
             <a:pPr lvl="1"/>
             <a:r>
-              <a:rPr kumimoji="1" lang="ja-JP" altLang="en-US" smtClean="0"/>
+              <a:rPr kumimoji="1" lang="ja-JP" altLang="en-US"/>
               <a:t>第 </a:t>
             </a:r>
             <a:r>
-              <a:rPr kumimoji="1" lang="en-US" altLang="ja-JP" smtClean="0"/>
+              <a:rPr kumimoji="1" lang="en-US" altLang="ja-JP"/>
               <a:t>2 </a:t>
             </a:r>
             <a:r>
-              <a:rPr kumimoji="1" lang="ja-JP" altLang="en-US" smtClean="0"/>
+              <a:rPr kumimoji="1" lang="ja-JP" altLang="en-US"/>
               <a:t>レベル</a:t>
             </a:r>
           </a:p>
           <a:p>
             <a:pPr lvl="2"/>
             <a:r>
-              <a:rPr kumimoji="1" lang="ja-JP" altLang="en-US" smtClean="0"/>
+              <a:rPr kumimoji="1" lang="ja-JP" altLang="en-US"/>
               <a:t>第 </a:t>
             </a:r>
             <a:r>
-              <a:rPr kumimoji="1" lang="en-US" altLang="ja-JP" smtClean="0"/>
+              <a:rPr kumimoji="1" lang="en-US" altLang="ja-JP"/>
               <a:t>3 </a:t>
             </a:r>
             <a:r>
-              <a:rPr kumimoji="1" lang="ja-JP" altLang="en-US" smtClean="0"/>
+              <a:rPr kumimoji="1" lang="ja-JP" altLang="en-US"/>
               <a:t>レベル</a:t>
             </a:r>
           </a:p>
           <a:p>
             <a:pPr lvl="3"/>
             <a:r>
-              <a:rPr kumimoji="1" lang="ja-JP" altLang="en-US" smtClean="0"/>
+              <a:rPr kumimoji="1" lang="ja-JP" altLang="en-US"/>
               <a:t>第 </a:t>
             </a:r>
             <a:r>
-              <a:rPr kumimoji="1" lang="en-US" altLang="ja-JP" smtClean="0"/>
+              <a:rPr kumimoji="1" lang="en-US" altLang="ja-JP"/>
               <a:t>4 </a:t>
             </a:r>
             <a:r>
-              <a:rPr kumimoji="1" lang="ja-JP" altLang="en-US" smtClean="0"/>
+              <a:rPr kumimoji="1" lang="ja-JP" altLang="en-US"/>
               <a:t>レベル</a:t>
             </a:r>
           </a:p>
           <a:p>
             <a:pPr lvl="4"/>
             <a:r>
-              <a:rPr kumimoji="1" lang="ja-JP" altLang="en-US" smtClean="0"/>
+              <a:rPr kumimoji="1" lang="ja-JP" altLang="en-US"/>
               <a:t>第 </a:t>
             </a:r>
             <a:r>
-              <a:rPr kumimoji="1" lang="en-US" altLang="ja-JP" smtClean="0"/>
+              <a:rPr kumimoji="1" lang="en-US" altLang="ja-JP"/>
               <a:t>5 </a:t>
             </a:r>
             <a:r>
-              <a:rPr kumimoji="1" lang="ja-JP" altLang="en-US" smtClean="0"/>
+              <a:rPr kumimoji="1" lang="ja-JP" altLang="en-US"/>
               <a:t>レベル</a:t>
             </a:r>
-            <a:endParaRPr kumimoji="1" lang="ja-JP" altLang="en-US"/>
           </a:p>
         </p:txBody>
       </p:sp>
@@ -2847,7 +2831,7 @@
           <a:p>
             <a:fld id="{2D3CDBE4-0924-3448-8597-1AC40CB85020}" type="datetimeFigureOut">
               <a:rPr kumimoji="1" lang="ja-JP" altLang="en-US" smtClean="0"/>
-              <a:t>2017/10/31</a:t>
+              <a:t>2018/1/24</a:t>
             </a:fld>
             <a:endParaRPr kumimoji="1" lang="ja-JP" altLang="en-US"/>
           </a:p>
@@ -3260,10 +3244,10 @@
         </p:nvGrpSpPr>
         <p:grpSpPr>
           <a:xfrm>
-            <a:off x="1234626" y="1141436"/>
-            <a:ext cx="9602990" cy="3445799"/>
-            <a:chOff x="1275266" y="1283676"/>
-            <a:chExt cx="9602990" cy="3445799"/>
+            <a:off x="1299967" y="1198603"/>
+            <a:ext cx="9482965" cy="3388632"/>
+            <a:chOff x="1340607" y="1340843"/>
+            <a:chExt cx="9482965" cy="3388632"/>
           </a:xfrm>
         </p:grpSpPr>
         <p:grpSp>
@@ -3274,10 +3258,10 @@
           </p:nvGrpSpPr>
           <p:grpSpPr>
             <a:xfrm>
-              <a:off x="1275266" y="1283676"/>
-              <a:ext cx="1944000" cy="3445799"/>
-              <a:chOff x="1519051" y="1283676"/>
-              <a:chExt cx="1944000" cy="3445799"/>
+              <a:off x="1340607" y="1340843"/>
+              <a:ext cx="1813318" cy="3388632"/>
+              <a:chOff x="1584392" y="1340843"/>
+              <a:chExt cx="1813318" cy="3388632"/>
             </a:xfrm>
           </p:grpSpPr>
           <p:sp>
@@ -3339,8 +3323,8 @@
             </p:nvSpPr>
             <p:spPr>
               <a:xfrm>
-                <a:off x="1519051" y="1283676"/>
-                <a:ext cx="1944000" cy="576000"/>
+                <a:off x="1584392" y="1340843"/>
+                <a:ext cx="1813318" cy="461665"/>
               </a:xfrm>
               <a:prstGeom prst="rect">
                 <a:avLst/>
@@ -3360,7 +3344,7 @@
               <a:p>
                 <a:pPr algn="ctr"/>
                 <a:r>
-                  <a:rPr kumimoji="1" lang="en-US" altLang="ja-JP" sz="2400" dirty="0" smtClean="0">
+                  <a:rPr lang="en-US" altLang="ja-JP" sz="2400" dirty="0">
                     <a:solidFill>
                       <a:schemeClr val="bg1"/>
                     </a:solidFill>
@@ -3368,7 +3352,18 @@
                     <a:ea typeface="Meiryo" charset="-128"/>
                     <a:cs typeface="Meiryo" charset="-128"/>
                   </a:rPr>
-                  <a:t>1 dim Hole</a:t>
+                  <a:t>0</a:t>
+                </a:r>
+                <a:r>
+                  <a:rPr kumimoji="1" lang="en-US" altLang="ja-JP" sz="2400" dirty="0">
+                    <a:solidFill>
+                      <a:schemeClr val="bg1"/>
+                    </a:solidFill>
+                    <a:latin typeface="Meiryo" charset="-128"/>
+                    <a:ea typeface="Meiryo" charset="-128"/>
+                    <a:cs typeface="Meiryo" charset="-128"/>
+                  </a:rPr>
+                  <a:t> dim Hole</a:t>
                 </a:r>
                 <a:endParaRPr kumimoji="1" lang="ja-JP" altLang="en-US" sz="2400" dirty="0">
                   <a:solidFill>
@@ -3405,7 +3400,7 @@
               <a:p>
                 <a:pPr algn="dist"/>
                 <a:r>
-                  <a:rPr lang="ja-JP" altLang="en-US" sz="2400" dirty="0" smtClean="0">
+                  <a:rPr lang="ja-JP" altLang="en-US" sz="2400" dirty="0">
                     <a:latin typeface="Meiryo" charset="-128"/>
                     <a:ea typeface="Meiryo" charset="-128"/>
                     <a:cs typeface="Meiryo" charset="-128"/>
@@ -3429,10 +3424,10 @@
           </p:nvGrpSpPr>
           <p:grpSpPr>
             <a:xfrm>
-              <a:off x="5023869" y="1283676"/>
-              <a:ext cx="2144786" cy="3445799"/>
-              <a:chOff x="5256261" y="1283676"/>
-              <a:chExt cx="2144786" cy="3445799"/>
+              <a:off x="5023869" y="1340843"/>
+              <a:ext cx="2144786" cy="3388632"/>
+              <a:chOff x="5256261" y="1340843"/>
+              <a:chExt cx="2144786" cy="3388632"/>
             </a:xfrm>
           </p:grpSpPr>
           <p:sp>
@@ -3496,8 +3491,8 @@
             </p:nvSpPr>
             <p:spPr>
               <a:xfrm>
-                <a:off x="5356654" y="1283676"/>
-                <a:ext cx="1944000" cy="576000"/>
+                <a:off x="5421995" y="1340843"/>
+                <a:ext cx="1813318" cy="461665"/>
               </a:xfrm>
               <a:prstGeom prst="rect">
                 <a:avLst/>
@@ -3514,7 +3509,7 @@
               <a:p>
                 <a:pPr algn="ctr"/>
                 <a:r>
-                  <a:rPr lang="en-US" altLang="ja-JP" sz="2400" dirty="0" smtClean="0">
+                  <a:rPr lang="en-US" altLang="ja-JP" sz="2400" dirty="0">
                     <a:solidFill>
                       <a:schemeClr val="bg1"/>
                     </a:solidFill>
@@ -3522,10 +3517,10 @@
                     <a:ea typeface="Meiryo" charset="-128"/>
                     <a:cs typeface="Meiryo" charset="-128"/>
                   </a:rPr>
-                  <a:t>2 </a:t>
+                  <a:t>1 </a:t>
                 </a:r>
                 <a:r>
-                  <a:rPr kumimoji="1" lang="en-US" altLang="ja-JP" sz="2400" dirty="0" smtClean="0">
+                  <a:rPr kumimoji="1" lang="en-US" altLang="ja-JP" sz="2400" dirty="0">
                     <a:solidFill>
                       <a:schemeClr val="bg1"/>
                     </a:solidFill>
@@ -3570,7 +3565,7 @@
               <a:p>
                 <a:pPr algn="dist"/>
                 <a:r>
-                  <a:rPr lang="ja-JP" altLang="en-US" sz="2400" smtClean="0">
+                  <a:rPr lang="ja-JP" altLang="en-US" sz="2400">
                     <a:latin typeface="Meiryo" charset="-128"/>
                     <a:ea typeface="Meiryo" charset="-128"/>
                     <a:cs typeface="Meiryo" charset="-128"/>
@@ -3594,10 +3589,10 @@
           </p:nvGrpSpPr>
           <p:grpSpPr>
             <a:xfrm>
-              <a:off x="8934256" y="1283676"/>
-              <a:ext cx="1944000" cy="3445799"/>
-              <a:chOff x="8397899" y="1283676"/>
-              <a:chExt cx="1944000" cy="3445799"/>
+              <a:off x="8988941" y="1340843"/>
+              <a:ext cx="1834631" cy="3388632"/>
+              <a:chOff x="8452584" y="1340843"/>
+              <a:chExt cx="1834631" cy="3388632"/>
             </a:xfrm>
           </p:grpSpPr>
           <p:grpSp>
@@ -3712,7 +3707,7 @@
                 <a:p>
                   <a:pPr algn="ctr"/>
                   <a:r>
-                    <a:rPr kumimoji="1" lang="en-US" altLang="ja-JP" dirty="0" smtClean="0"/>
+                    <a:rPr kumimoji="1" lang="en-US" altLang="ja-JP" dirty="0"/>
                     <a:t>c</a:t>
                   </a:r>
                   <a:endParaRPr kumimoji="1" lang="ja-JP" altLang="en-US" dirty="0"/>
@@ -3766,7 +3761,7 @@
                 <a:p>
                   <a:pPr algn="ctr"/>
                   <a:r>
-                    <a:rPr kumimoji="1" lang="en-US" altLang="ja-JP" dirty="0" smtClean="0"/>
+                    <a:rPr kumimoji="1" lang="en-US" altLang="ja-JP" dirty="0"/>
                     <a:t>c</a:t>
                   </a:r>
                   <a:endParaRPr kumimoji="1" lang="ja-JP" altLang="en-US" dirty="0"/>
@@ -3782,8 +3777,8 @@
             </p:nvSpPr>
             <p:spPr>
               <a:xfrm>
-                <a:off x="8397899" y="1283676"/>
-                <a:ext cx="1944000" cy="576000"/>
+                <a:off x="8463240" y="1340843"/>
+                <a:ext cx="1813318" cy="461665"/>
               </a:xfrm>
               <a:prstGeom prst="rect">
                 <a:avLst/>
@@ -3800,7 +3795,7 @@
               <a:p>
                 <a:pPr algn="ctr"/>
                 <a:r>
-                  <a:rPr lang="en-US" altLang="ja-JP" sz="2400" smtClean="0">
+                  <a:rPr lang="en-US" altLang="ja-JP" sz="2400">
                     <a:solidFill>
                       <a:schemeClr val="bg1"/>
                     </a:solidFill>
@@ -3808,10 +3803,10 @@
                     <a:ea typeface="Meiryo" charset="-128"/>
                     <a:cs typeface="Meiryo" charset="-128"/>
                   </a:rPr>
-                  <a:t>3 </a:t>
+                  <a:t>2 </a:t>
                 </a:r>
                 <a:r>
-                  <a:rPr kumimoji="1" lang="en-US" altLang="ja-JP" sz="2400" smtClean="0">
+                  <a:rPr kumimoji="1" lang="en-US" altLang="ja-JP" sz="2400">
                     <a:solidFill>
                       <a:schemeClr val="bg1"/>
                     </a:solidFill>
@@ -3856,7 +3851,7 @@
               <a:p>
                 <a:pPr algn="dist"/>
                 <a:r>
-                  <a:rPr lang="ja-JP" altLang="en-US" sz="2400" smtClean="0">
+                  <a:rPr lang="ja-JP" altLang="en-US" sz="2400">
                     <a:latin typeface="Meiryo" charset="-128"/>
                     <a:ea typeface="Meiryo" charset="-128"/>
                     <a:cs typeface="Meiryo" charset="-128"/>
